--- a/DGFS PhD forum welcome.pptx
+++ b/DGFS PhD forum welcome.pptx
@@ -6,12 +6,12 @@
   </p:sldMasterIdLst>
   <p:sldIdLst>
     <p:sldId id="256" r:id="rId2"/>
-    <p:sldId id="260" r:id="rId3"/>
-    <p:sldId id="258" r:id="rId4"/>
-    <p:sldId id="259" r:id="rId5"/>
-    <p:sldId id="261" r:id="rId6"/>
-    <p:sldId id="262" r:id="rId7"/>
-    <p:sldId id="264" r:id="rId8"/>
+    <p:sldId id="258" r:id="rId3"/>
+    <p:sldId id="259" r:id="rId4"/>
+    <p:sldId id="261" r:id="rId5"/>
+    <p:sldId id="264" r:id="rId6"/>
+    <p:sldId id="266" r:id="rId7"/>
+    <p:sldId id="265" r:id="rId8"/>
   </p:sldIdLst>
   <p:sldSz cx="12192000" cy="6858000"/>
   <p:notesSz cx="6858000" cy="9144000"/>
@@ -110,6 +110,11 @@
       </a:defRPr>
     </a:lvl9pPr>
   </p:defaultTextStyle>
+  <p:extLst>
+    <p:ext uri="{EFAFB233-063F-42B5-8137-9DF3F51BA10A}">
+      <p15:sldGuideLst xmlns:p15="http://schemas.microsoft.com/office/powerpoint/2012/main"/>
+    </p:ext>
+  </p:extLst>
 </p:presentation>
 </file>
 
@@ -359,7 +364,7 @@
             <a:fld id="{B61BEF0D-F0BB-DE4B-95CE-6DB70DBA9567}" type="datetimeFigureOut">
               <a:rPr lang="en-US" dirty="0"/>
               <a:pPr/>
-              <a:t>2/16/2021</a:t>
+              <a:t>2/22/2021</a:t>
             </a:fld>
             <a:endParaRPr lang="en-US" dirty="0"/>
           </a:p>
@@ -618,7 +623,7 @@
             <a:fld id="{B61BEF0D-F0BB-DE4B-95CE-6DB70DBA9567}" type="datetimeFigureOut">
               <a:rPr lang="en-US" dirty="0"/>
               <a:pPr/>
-              <a:t>2/16/2021</a:t>
+              <a:t>2/22/2021</a:t>
             </a:fld>
             <a:endParaRPr lang="en-US" dirty="0"/>
           </a:p>
@@ -850,7 +855,7 @@
             <a:fld id="{B61BEF0D-F0BB-DE4B-95CE-6DB70DBA9567}" type="datetimeFigureOut">
               <a:rPr lang="en-US" dirty="0"/>
               <a:pPr/>
-              <a:t>2/16/2021</a:t>
+              <a:t>2/22/2021</a:t>
             </a:fld>
             <a:endParaRPr lang="en-US" dirty="0"/>
           </a:p>
@@ -1087,7 +1092,7 @@
             <a:fld id="{B61BEF0D-F0BB-DE4B-95CE-6DB70DBA9567}" type="datetimeFigureOut">
               <a:rPr lang="en-US" dirty="0"/>
               <a:pPr/>
-              <a:t>2/16/2021</a:t>
+              <a:t>2/22/2021</a:t>
             </a:fld>
             <a:endParaRPr lang="en-US" dirty="0"/>
           </a:p>
@@ -1391,7 +1396,7 @@
             <a:fld id="{B61BEF0D-F0BB-DE4B-95CE-6DB70DBA9567}" type="datetimeFigureOut">
               <a:rPr lang="en-US" dirty="0"/>
               <a:pPr/>
-              <a:t>2/16/2021</a:t>
+              <a:t>2/22/2021</a:t>
             </a:fld>
             <a:endParaRPr lang="en-US" dirty="0"/>
           </a:p>
@@ -1690,7 +1695,7 @@
             <a:fld id="{B61BEF0D-F0BB-DE4B-95CE-6DB70DBA9567}" type="datetimeFigureOut">
               <a:rPr lang="en-US" dirty="0"/>
               <a:pPr/>
-              <a:t>2/16/2021</a:t>
+              <a:t>2/22/2021</a:t>
             </a:fld>
             <a:endParaRPr lang="en-US" dirty="0"/>
           </a:p>
@@ -2109,7 +2114,7 @@
             <a:fld id="{B61BEF0D-F0BB-DE4B-95CE-6DB70DBA9567}" type="datetimeFigureOut">
               <a:rPr lang="en-US" dirty="0"/>
               <a:pPr/>
-              <a:t>2/16/2021</a:t>
+              <a:t>2/22/2021</a:t>
             </a:fld>
             <a:endParaRPr lang="en-US" dirty="0"/>
           </a:p>
@@ -2201,7 +2206,7 @@
             <a:fld id="{B61BEF0D-F0BB-DE4B-95CE-6DB70DBA9567}" type="datetimeFigureOut">
               <a:rPr lang="en-US" dirty="0"/>
               <a:pPr/>
-              <a:t>2/16/2021</a:t>
+              <a:t>2/22/2021</a:t>
             </a:fld>
             <a:endParaRPr lang="en-US" dirty="0"/>
           </a:p>
@@ -2360,7 +2365,7 @@
             <a:fld id="{B61BEF0D-F0BB-DE4B-95CE-6DB70DBA9567}" type="datetimeFigureOut">
               <a:rPr lang="en-US" dirty="0"/>
               <a:pPr/>
-              <a:t>2/16/2021</a:t>
+              <a:t>2/22/2021</a:t>
             </a:fld>
             <a:endParaRPr lang="en-US" dirty="0"/>
           </a:p>
@@ -2735,7 +2740,7 @@
             <a:fld id="{B61BEF0D-F0BB-DE4B-95CE-6DB70DBA9567}" type="datetimeFigureOut">
               <a:rPr lang="en-US" dirty="0"/>
               <a:pPr/>
-              <a:t>2/16/2021</a:t>
+              <a:t>2/22/2021</a:t>
             </a:fld>
             <a:endParaRPr lang="en-US" dirty="0"/>
           </a:p>
@@ -3021,7 +3026,7 @@
             <a:fld id="{B61BEF0D-F0BB-DE4B-95CE-6DB70DBA9567}" type="datetimeFigureOut">
               <a:rPr lang="en-US" dirty="0"/>
               <a:pPr/>
-              <a:t>2/16/2021</a:t>
+              <a:t>2/22/2021</a:t>
             </a:fld>
             <a:endParaRPr lang="en-US" dirty="0"/>
           </a:p>
@@ -3229,7 +3234,7 @@
             <a:fld id="{B61BEF0D-F0BB-DE4B-95CE-6DB70DBA9567}" type="datetimeFigureOut">
               <a:rPr lang="en-US" dirty="0"/>
               <a:pPr/>
-              <a:t>2/16/2021</a:t>
+              <a:t>2/22/2021</a:t>
             </a:fld>
             <a:endParaRPr lang="en-US" dirty="0"/>
           </a:p>
@@ -3856,7 +3861,6 @@
                   <a:srgbClr val="363534"/>
                 </a:solidFill>
                 <a:effectLst/>
-                <a:latin typeface="Arial" panose="020B0604020202020204" pitchFamily="34" charset="0"/>
               </a:rPr>
               <a:t>Workshop: Data wrangling &amp; reproducible reports with </a:t>
             </a:r>
@@ -3866,7 +3870,6 @@
                   <a:srgbClr val="363534"/>
                 </a:solidFill>
                 <a:effectLst/>
-                <a:latin typeface="Arial" panose="020B0604020202020204" pitchFamily="34" charset="0"/>
               </a:rPr>
               <a:t>tidyverse</a:t>
             </a:r>
@@ -3876,7 +3879,6 @@
                   <a:srgbClr val="363534"/>
                 </a:solidFill>
                 <a:effectLst/>
-                <a:latin typeface="Arial" panose="020B0604020202020204" pitchFamily="34" charset="0"/>
               </a:rPr>
               <a:t> and R-Markdown</a:t>
             </a:r>
@@ -3959,444 +3961,6 @@
           <p:cNvPr id="2" name="Titel 1">
             <a:extLst>
               <a:ext uri="{FF2B5EF4-FFF2-40B4-BE49-F238E27FC236}">
-                <a16:creationId xmlns:a16="http://schemas.microsoft.com/office/drawing/2014/main" id="{311032F8-69C6-4160-A237-A6DE1271F1DC}"/>
-              </a:ext>
-            </a:extLst>
-          </p:cNvPr>
-          <p:cNvSpPr>
-            <a:spLocks noGrp="1"/>
-          </p:cNvSpPr>
-          <p:nvPr>
-            <p:ph type="title"/>
-          </p:nvPr>
-        </p:nvSpPr>
-        <p:spPr/>
-        <p:txBody>
-          <a:bodyPr/>
-          <a:lstStyle/>
-          <a:p>
-            <a:r>
-              <a:rPr lang="en-GB" dirty="0"/>
-              <a:t>Who are we?</a:t>
-            </a:r>
-          </a:p>
-        </p:txBody>
-      </p:sp>
-      <p:sp>
-        <p:nvSpPr>
-          <p:cNvPr id="5" name="Textfeld 4">
-            <a:extLst>
-              <a:ext uri="{FF2B5EF4-FFF2-40B4-BE49-F238E27FC236}">
-                <a16:creationId xmlns:a16="http://schemas.microsoft.com/office/drawing/2014/main" id="{64E8DCDE-6E41-4418-904A-CDD2C98B45D8}"/>
-              </a:ext>
-            </a:extLst>
-          </p:cNvPr>
-          <p:cNvSpPr txBox="1"/>
-          <p:nvPr/>
-        </p:nvSpPr>
-        <p:spPr>
-          <a:xfrm>
-            <a:off x="581192" y="3652030"/>
-            <a:ext cx="2751563" cy="369332"/>
-          </a:xfrm>
-          <a:prstGeom prst="rect">
-            <a:avLst/>
-          </a:prstGeom>
-          <a:noFill/>
-        </p:spPr>
-        <p:txBody>
-          <a:bodyPr wrap="square">
-            <a:spAutoFit/>
-          </a:bodyPr>
-          <a:lstStyle/>
-          <a:p>
-            <a:r>
-              <a:rPr lang="de-DE" b="0" i="0" dirty="0" err="1">
-                <a:solidFill>
-                  <a:srgbClr val="212529"/>
-                </a:solidFill>
-                <a:effectLst/>
-                <a:latin typeface="+mj-lt"/>
-              </a:rPr>
-              <a:t>Dr</a:t>
-            </a:r>
-            <a:r>
-              <a:rPr lang="de-DE" b="0" i="0" dirty="0">
-                <a:solidFill>
-                  <a:srgbClr val="212529"/>
-                </a:solidFill>
-                <a:effectLst/>
-                <a:latin typeface="+mj-lt"/>
-              </a:rPr>
-              <a:t> Giulia </a:t>
-            </a:r>
-            <a:r>
-              <a:rPr lang="de-DE" b="0" i="0" dirty="0" err="1">
-                <a:solidFill>
-                  <a:srgbClr val="212529"/>
-                </a:solidFill>
-                <a:effectLst/>
-                <a:latin typeface="+mj-lt"/>
-              </a:rPr>
-              <a:t>Grisot</a:t>
-            </a:r>
-            <a:r>
-              <a:rPr lang="de-DE" b="0" i="0" dirty="0">
-                <a:solidFill>
-                  <a:srgbClr val="212529"/>
-                </a:solidFill>
-                <a:effectLst/>
-                <a:latin typeface="+mj-lt"/>
-              </a:rPr>
-              <a:t>, Uni Basel</a:t>
-            </a:r>
-            <a:endParaRPr lang="en-GB" dirty="0">
-              <a:latin typeface="+mj-lt"/>
-            </a:endParaRPr>
-          </a:p>
-        </p:txBody>
-      </p:sp>
-      <p:sp>
-        <p:nvSpPr>
-          <p:cNvPr id="6" name="Textfeld 5">
-            <a:extLst>
-              <a:ext uri="{FF2B5EF4-FFF2-40B4-BE49-F238E27FC236}">
-                <a16:creationId xmlns:a16="http://schemas.microsoft.com/office/drawing/2014/main" id="{1DC7F911-399E-4298-8611-A57530F31F7E}"/>
-              </a:ext>
-            </a:extLst>
-          </p:cNvPr>
-          <p:cNvSpPr txBox="1"/>
-          <p:nvPr/>
-        </p:nvSpPr>
-        <p:spPr>
-          <a:xfrm>
-            <a:off x="4268528" y="3652030"/>
-            <a:ext cx="2924008" cy="369332"/>
-          </a:xfrm>
-          <a:prstGeom prst="rect">
-            <a:avLst/>
-          </a:prstGeom>
-          <a:noFill/>
-        </p:spPr>
-        <p:txBody>
-          <a:bodyPr wrap="square">
-            <a:spAutoFit/>
-          </a:bodyPr>
-          <a:lstStyle/>
-          <a:p>
-            <a:r>
-              <a:rPr lang="de-DE" b="0" i="0" dirty="0" err="1">
-                <a:solidFill>
-                  <a:srgbClr val="212529"/>
-                </a:solidFill>
-                <a:effectLst/>
-                <a:latin typeface="+mj-lt"/>
-              </a:rPr>
-              <a:t>Kyla</a:t>
-            </a:r>
-            <a:r>
-              <a:rPr lang="de-DE" b="0" i="0" dirty="0">
-                <a:solidFill>
-                  <a:srgbClr val="212529"/>
-                </a:solidFill>
-                <a:effectLst/>
-                <a:latin typeface="+mj-lt"/>
-              </a:rPr>
-              <a:t> McConnell, Uni Freiburg</a:t>
-            </a:r>
-            <a:endParaRPr lang="en-GB" dirty="0">
-              <a:latin typeface="+mj-lt"/>
-            </a:endParaRPr>
-          </a:p>
-        </p:txBody>
-      </p:sp>
-      <p:sp>
-        <p:nvSpPr>
-          <p:cNvPr id="7" name="Textfeld 6">
-            <a:extLst>
-              <a:ext uri="{FF2B5EF4-FFF2-40B4-BE49-F238E27FC236}">
-                <a16:creationId xmlns:a16="http://schemas.microsoft.com/office/drawing/2014/main" id="{13A5B02F-5C5C-44C3-9CBA-2884DB1B9129}"/>
-              </a:ext>
-            </a:extLst>
-          </p:cNvPr>
-          <p:cNvSpPr txBox="1"/>
-          <p:nvPr/>
-        </p:nvSpPr>
-        <p:spPr>
-          <a:xfrm>
-            <a:off x="8128309" y="3652030"/>
-            <a:ext cx="2924008" cy="369332"/>
-          </a:xfrm>
-          <a:prstGeom prst="rect">
-            <a:avLst/>
-          </a:prstGeom>
-          <a:noFill/>
-        </p:spPr>
-        <p:txBody>
-          <a:bodyPr wrap="square">
-            <a:spAutoFit/>
-          </a:bodyPr>
-          <a:lstStyle/>
-          <a:p>
-            <a:r>
-              <a:rPr lang="de-DE" b="0" i="0" dirty="0">
-                <a:solidFill>
-                  <a:srgbClr val="212529"/>
-                </a:solidFill>
-                <a:effectLst/>
-                <a:latin typeface="+mj-lt"/>
-              </a:rPr>
-              <a:t>Julia Müller, Uni Freiburg</a:t>
-            </a:r>
-            <a:endParaRPr lang="en-GB" dirty="0">
-              <a:latin typeface="+mj-lt"/>
-            </a:endParaRPr>
-          </a:p>
-        </p:txBody>
-      </p:sp>
-      <p:sp>
-        <p:nvSpPr>
-          <p:cNvPr id="8" name="Textfeld 7">
-            <a:extLst>
-              <a:ext uri="{FF2B5EF4-FFF2-40B4-BE49-F238E27FC236}">
-                <a16:creationId xmlns:a16="http://schemas.microsoft.com/office/drawing/2014/main" id="{B0E8626A-FD36-4979-B0DB-A9C3ECBE39C4}"/>
-              </a:ext>
-            </a:extLst>
-          </p:cNvPr>
-          <p:cNvSpPr txBox="1"/>
-          <p:nvPr/>
-        </p:nvSpPr>
-        <p:spPr>
-          <a:xfrm>
-            <a:off x="4268528" y="1908721"/>
-            <a:ext cx="2924008" cy="369332"/>
-          </a:xfrm>
-          <a:prstGeom prst="rect">
-            <a:avLst/>
-          </a:prstGeom>
-          <a:noFill/>
-        </p:spPr>
-        <p:txBody>
-          <a:bodyPr wrap="square">
-            <a:spAutoFit/>
-          </a:bodyPr>
-          <a:lstStyle/>
-          <a:p>
-            <a:pPr algn="ctr"/>
-            <a:r>
-              <a:rPr lang="de-DE" b="0" i="0" cap="small" dirty="0">
-                <a:solidFill>
-                  <a:srgbClr val="212529"/>
-                </a:solidFill>
-                <a:effectLst/>
-                <a:latin typeface="+mj-lt"/>
-              </a:rPr>
-              <a:t>instructors</a:t>
-            </a:r>
-            <a:endParaRPr lang="en-GB" cap="small" dirty="0">
-              <a:latin typeface="+mj-lt"/>
-            </a:endParaRPr>
-          </a:p>
-        </p:txBody>
-      </p:sp>
-      <p:sp>
-        <p:nvSpPr>
-          <p:cNvPr id="9" name="Textfeld 8">
-            <a:extLst>
-              <a:ext uri="{FF2B5EF4-FFF2-40B4-BE49-F238E27FC236}">
-                <a16:creationId xmlns:a16="http://schemas.microsoft.com/office/drawing/2014/main" id="{629AA1BF-6E2B-4DCF-9CCB-A513077C99EC}"/>
-              </a:ext>
-            </a:extLst>
-          </p:cNvPr>
-          <p:cNvSpPr txBox="1"/>
-          <p:nvPr/>
-        </p:nvSpPr>
-        <p:spPr>
-          <a:xfrm>
-            <a:off x="4268528" y="4280214"/>
-            <a:ext cx="2924008" cy="369332"/>
-          </a:xfrm>
-          <a:prstGeom prst="rect">
-            <a:avLst/>
-          </a:prstGeom>
-          <a:noFill/>
-        </p:spPr>
-        <p:txBody>
-          <a:bodyPr wrap="square">
-            <a:spAutoFit/>
-          </a:bodyPr>
-          <a:lstStyle/>
-          <a:p>
-            <a:pPr algn="ctr"/>
-            <a:r>
-              <a:rPr lang="de-DE" b="0" i="0" cap="small" dirty="0">
-                <a:solidFill>
-                  <a:srgbClr val="212529"/>
-                </a:solidFill>
-                <a:effectLst/>
-                <a:latin typeface="+mj-lt"/>
-              </a:rPr>
-              <a:t>Organisation and TA</a:t>
-            </a:r>
-            <a:endParaRPr lang="en-GB" cap="small" dirty="0">
-              <a:latin typeface="+mj-lt"/>
-            </a:endParaRPr>
-          </a:p>
-        </p:txBody>
-      </p:sp>
-      <p:sp>
-        <p:nvSpPr>
-          <p:cNvPr id="10" name="Textfeld 9">
-            <a:extLst>
-              <a:ext uri="{FF2B5EF4-FFF2-40B4-BE49-F238E27FC236}">
-                <a16:creationId xmlns:a16="http://schemas.microsoft.com/office/drawing/2014/main" id="{F0F22641-EE95-4896-8C11-E87CD865497C}"/>
-              </a:ext>
-            </a:extLst>
-          </p:cNvPr>
-          <p:cNvSpPr txBox="1"/>
-          <p:nvPr/>
-        </p:nvSpPr>
-        <p:spPr>
-          <a:xfrm>
-            <a:off x="6398411" y="6232497"/>
-            <a:ext cx="3168007" cy="369332"/>
-          </a:xfrm>
-          <a:prstGeom prst="rect">
-            <a:avLst/>
-          </a:prstGeom>
-          <a:noFill/>
-        </p:spPr>
-        <p:txBody>
-          <a:bodyPr wrap="square">
-            <a:spAutoFit/>
-          </a:bodyPr>
-          <a:lstStyle/>
-          <a:p>
-            <a:r>
-              <a:rPr lang="de-DE" b="0" i="0" dirty="0" err="1">
-                <a:solidFill>
-                  <a:srgbClr val="212529"/>
-                </a:solidFill>
-                <a:effectLst/>
-                <a:latin typeface="+mj-lt"/>
-              </a:rPr>
-              <a:t>Dr</a:t>
-            </a:r>
-            <a:r>
-              <a:rPr lang="de-DE" b="0" i="0" dirty="0">
-                <a:solidFill>
-                  <a:srgbClr val="212529"/>
-                </a:solidFill>
-                <a:effectLst/>
-                <a:latin typeface="+mj-lt"/>
-              </a:rPr>
-              <a:t> Beke Hansen, Uni Freiburg</a:t>
-            </a:r>
-            <a:endParaRPr lang="en-GB" dirty="0">
-              <a:latin typeface="+mj-lt"/>
-            </a:endParaRPr>
-          </a:p>
-        </p:txBody>
-      </p:sp>
-      <p:sp>
-        <p:nvSpPr>
-          <p:cNvPr id="11" name="Textfeld 10">
-            <a:extLst>
-              <a:ext uri="{FF2B5EF4-FFF2-40B4-BE49-F238E27FC236}">
-                <a16:creationId xmlns:a16="http://schemas.microsoft.com/office/drawing/2014/main" id="{349CE1B0-B091-436E-8607-DCB17CA3910D}"/>
-              </a:ext>
-            </a:extLst>
-          </p:cNvPr>
-          <p:cNvSpPr txBox="1"/>
-          <p:nvPr/>
-        </p:nvSpPr>
-        <p:spPr>
-          <a:xfrm>
-            <a:off x="2196791" y="6232497"/>
-            <a:ext cx="3068843" cy="369332"/>
-          </a:xfrm>
-          <a:prstGeom prst="rect">
-            <a:avLst/>
-          </a:prstGeom>
-          <a:noFill/>
-        </p:spPr>
-        <p:txBody>
-          <a:bodyPr wrap="square">
-            <a:spAutoFit/>
-          </a:bodyPr>
-          <a:lstStyle/>
-          <a:p>
-            <a:r>
-              <a:rPr lang="de-DE" b="0" i="0" dirty="0">
-                <a:solidFill>
-                  <a:srgbClr val="212529"/>
-                </a:solidFill>
-                <a:effectLst/>
-                <a:latin typeface="+mj-lt"/>
-              </a:rPr>
-              <a:t>Sarah </a:t>
-            </a:r>
-            <a:r>
-              <a:rPr lang="de-DE" b="0" i="0" dirty="0" err="1">
-                <a:solidFill>
-                  <a:srgbClr val="212529"/>
-                </a:solidFill>
-                <a:effectLst/>
-                <a:latin typeface="+mj-lt"/>
-              </a:rPr>
-              <a:t>Warchhold</a:t>
-            </a:r>
-            <a:r>
-              <a:rPr lang="de-DE" b="0" i="0" dirty="0">
-                <a:solidFill>
-                  <a:srgbClr val="212529"/>
-                </a:solidFill>
-                <a:effectLst/>
-                <a:latin typeface="+mj-lt"/>
-              </a:rPr>
-              <a:t>, Uni Freiburg</a:t>
-            </a:r>
-            <a:endParaRPr lang="en-GB" dirty="0">
-              <a:latin typeface="+mj-lt"/>
-            </a:endParaRPr>
-          </a:p>
-        </p:txBody>
-      </p:sp>
-    </p:spTree>
-    <p:extLst>
-      <p:ext uri="{BB962C8B-B14F-4D97-AF65-F5344CB8AC3E}">
-        <p14:creationId xmlns:p14="http://schemas.microsoft.com/office/powerpoint/2010/main" val="3900586160"/>
-      </p:ext>
-    </p:extLst>
-  </p:cSld>
-  <p:clrMapOvr>
-    <a:masterClrMapping/>
-  </p:clrMapOvr>
-</p:sld>
-</file>
-
-<file path=ppt/slides/slide3.xml><?xml version="1.0" encoding="utf-8"?>
-<p:sld xmlns:a="http://schemas.openxmlformats.org/drawingml/2006/main" xmlns:r="http://schemas.openxmlformats.org/officeDocument/2006/relationships" xmlns:p="http://schemas.openxmlformats.org/presentationml/2006/main">
-  <p:cSld>
-    <p:spTree>
-      <p:nvGrpSpPr>
-        <p:cNvPr id="1" name=""/>
-        <p:cNvGrpSpPr/>
-        <p:nvPr/>
-      </p:nvGrpSpPr>
-      <p:grpSpPr>
-        <a:xfrm>
-          <a:off x="0" y="0"/>
-          <a:ext cx="0" cy="0"/>
-          <a:chOff x="0" y="0"/>
-          <a:chExt cx="0" cy="0"/>
-        </a:xfrm>
-      </p:grpSpPr>
-      <p:sp>
-        <p:nvSpPr>
-          <p:cNvPr id="2" name="Titel 1">
-            <a:extLst>
-              <a:ext uri="{FF2B5EF4-FFF2-40B4-BE49-F238E27FC236}">
                 <a16:creationId xmlns:a16="http://schemas.microsoft.com/office/drawing/2014/main" id="{C47D9D99-9819-4F36-A6EA-1FE5699C9E69}"/>
               </a:ext>
             </a:extLst>
@@ -4436,7 +4000,7 @@
             <p:ph idx="1"/>
             <p:extLst>
               <p:ext uri="{D42A27DB-BD31-4B8C-83A1-F6EECF244321}">
-                <p14:modId xmlns:p14="http://schemas.microsoft.com/office/powerpoint/2010/main" val="4135841353"/>
+                <p14:modId xmlns:p14="http://schemas.microsoft.com/office/powerpoint/2010/main" val="4097280663"/>
               </p:ext>
             </p:extLst>
           </p:nvPr>
@@ -4839,12 +4403,8 @@
                     <a:lstStyle/>
                     <a:p>
                       <a:r>
-                        <a:rPr lang="en-GB" b="0" i="1" dirty="0"/>
-                        <a:t>Social in </a:t>
-                      </a:r>
-                      <a:r>
-                        <a:rPr lang="en-GB" b="0" i="1" dirty="0" err="1"/>
-                        <a:t>Gathertown</a:t>
+                        <a:rPr lang="en-US" b="0" i="1" dirty="0"/>
+                        <a:t>Networking &amp; socialization in Gather Town</a:t>
                       </a:r>
                       <a:endParaRPr lang="en-GB" b="0" i="1" dirty="0"/>
                     </a:p>
@@ -4874,6 +4434,123 @@
 </p:sld>
 </file>
 
+<file path=ppt/slides/slide3.xml><?xml version="1.0" encoding="utf-8"?>
+<p:sld xmlns:a="http://schemas.openxmlformats.org/drawingml/2006/main" xmlns:r="http://schemas.openxmlformats.org/officeDocument/2006/relationships" xmlns:p="http://schemas.openxmlformats.org/presentationml/2006/main">
+  <p:cSld>
+    <p:spTree>
+      <p:nvGrpSpPr>
+        <p:cNvPr id="1" name=""/>
+        <p:cNvGrpSpPr/>
+        <p:nvPr/>
+      </p:nvGrpSpPr>
+      <p:grpSpPr>
+        <a:xfrm>
+          <a:off x="0" y="0"/>
+          <a:ext cx="0" cy="0"/>
+          <a:chOff x="0" y="0"/>
+          <a:chExt cx="0" cy="0"/>
+        </a:xfrm>
+      </p:grpSpPr>
+      <p:sp>
+        <p:nvSpPr>
+          <p:cNvPr id="2" name="Titel 1">
+            <a:extLst>
+              <a:ext uri="{FF2B5EF4-FFF2-40B4-BE49-F238E27FC236}">
+                <a16:creationId xmlns:a16="http://schemas.microsoft.com/office/drawing/2014/main" id="{C47D9D99-9819-4F36-A6EA-1FE5699C9E69}"/>
+              </a:ext>
+            </a:extLst>
+          </p:cNvPr>
+          <p:cNvSpPr>
+            <a:spLocks noGrp="1"/>
+          </p:cNvSpPr>
+          <p:nvPr>
+            <p:ph type="title"/>
+          </p:nvPr>
+        </p:nvSpPr>
+        <p:spPr/>
+        <p:txBody>
+          <a:bodyPr/>
+          <a:lstStyle/>
+          <a:p>
+            <a:r>
+              <a:rPr lang="en-GB" dirty="0"/>
+              <a:t>Get to know each other</a:t>
+            </a:r>
+          </a:p>
+        </p:txBody>
+      </p:sp>
+      <p:sp>
+        <p:nvSpPr>
+          <p:cNvPr id="6" name="Inhaltsplatzhalter 5">
+            <a:extLst>
+              <a:ext uri="{FF2B5EF4-FFF2-40B4-BE49-F238E27FC236}">
+                <a16:creationId xmlns:a16="http://schemas.microsoft.com/office/drawing/2014/main" id="{44E3C2BA-155B-4755-BA0E-B55F51A0BEA0}"/>
+              </a:ext>
+            </a:extLst>
+          </p:cNvPr>
+          <p:cNvSpPr>
+            <a:spLocks noGrp="1"/>
+          </p:cNvSpPr>
+          <p:nvPr>
+            <p:ph idx="1"/>
+          </p:nvPr>
+        </p:nvSpPr>
+        <p:spPr>
+          <a:xfrm>
+            <a:off x="581192" y="2225100"/>
+            <a:ext cx="11029615" cy="3678303"/>
+          </a:xfrm>
+        </p:spPr>
+        <p:txBody>
+          <a:bodyPr>
+            <a:normAutofit/>
+          </a:bodyPr>
+          <a:lstStyle/>
+          <a:p>
+            <a:r>
+              <a:rPr lang="en-GB" sz="2400" dirty="0"/>
+              <a:t>Randomly assigned breakout rooms</a:t>
+            </a:r>
+          </a:p>
+          <a:p>
+            <a:r>
+              <a:rPr lang="en-GB" sz="2400" dirty="0"/>
+              <a:t>Introduce yourself</a:t>
+            </a:r>
+          </a:p>
+          <a:p>
+            <a:r>
+              <a:rPr lang="en-GB" sz="2400" dirty="0"/>
+              <a:t>What are you working on?</a:t>
+            </a:r>
+          </a:p>
+          <a:p>
+            <a:r>
+              <a:rPr lang="en-GB" sz="2400" dirty="0"/>
+              <a:t>Which kinds of data are you working with?</a:t>
+            </a:r>
+          </a:p>
+          <a:p>
+            <a:r>
+              <a:rPr lang="en-GB" sz="2400" dirty="0"/>
+              <a:t>What’s your experience with R, so far? What have been major success stories and roadblocks you encountered?</a:t>
+            </a:r>
+          </a:p>
+        </p:txBody>
+      </p:sp>
+    </p:spTree>
+    <p:extLst>
+      <p:ext uri="{BB962C8B-B14F-4D97-AF65-F5344CB8AC3E}">
+        <p14:creationId xmlns:p14="http://schemas.microsoft.com/office/powerpoint/2010/main" val="1589833771"/>
+      </p:ext>
+    </p:extLst>
+  </p:cSld>
+  <p:clrMapOvr>
+    <a:masterClrMapping/>
+  </p:clrMapOvr>
+</p:sld>
+</file>
+
 <file path=ppt/slides/slide4.xml><?xml version="1.0" encoding="utf-8"?>
 <p:sld xmlns:a="http://schemas.openxmlformats.org/drawingml/2006/main" xmlns:r="http://schemas.openxmlformats.org/officeDocument/2006/relationships" xmlns:p="http://schemas.openxmlformats.org/presentationml/2006/main">
   <p:cSld>
@@ -4914,7 +4591,7 @@
           <a:p>
             <a:r>
               <a:rPr lang="en-GB" dirty="0"/>
-              <a:t>Get to know each other</a:t>
+              <a:t>Housekeeping</a:t>
             </a:r>
           </a:p>
         </p:txBody>
@@ -4937,51 +4614,119 @@
         </p:nvSpPr>
         <p:spPr>
           <a:xfrm>
-            <a:off x="581192" y="2225100"/>
-            <a:ext cx="11029615" cy="3678303"/>
+            <a:off x="581192" y="2180496"/>
+            <a:ext cx="11029615" cy="4209153"/>
           </a:xfrm>
         </p:spPr>
         <p:txBody>
           <a:bodyPr>
-            <a:normAutofit/>
+            <a:noAutofit/>
           </a:bodyPr>
           <a:lstStyle/>
           <a:p>
             <a:r>
-              <a:rPr lang="en-GB" sz="2400" dirty="0"/>
-              <a:t>Randomly assigned breakout rooms</a:t>
-            </a:r>
-          </a:p>
-          <a:p>
-            <a:r>
-              <a:rPr lang="en-GB" sz="2400" dirty="0"/>
-              <a:t>Introduce yourself</a:t>
-            </a:r>
-          </a:p>
-          <a:p>
-            <a:r>
-              <a:rPr lang="en-GB" sz="2400" dirty="0"/>
-              <a:t>What are you working on?</a:t>
-            </a:r>
-          </a:p>
-          <a:p>
-            <a:r>
-              <a:rPr lang="en-GB" sz="2400" dirty="0"/>
-              <a:t>Which kinds of data are you working with?</a:t>
-            </a:r>
-          </a:p>
-          <a:p>
-            <a:r>
-              <a:rPr lang="en-GB" sz="2400" dirty="0"/>
-              <a:t>What’s your experience with R, so far? What have been major success stories and roadblocks you encountered?</a:t>
-            </a:r>
+              <a:rPr lang="en-GB" sz="2000" b="1" dirty="0"/>
+              <a:t>Code of conduct</a:t>
+            </a:r>
+          </a:p>
+          <a:p>
+            <a:pPr lvl="1"/>
+            <a:r>
+              <a:rPr lang="en-GB" sz="1800" dirty="0"/>
+              <a:t>Following the R-Ladies code of conduct (</a:t>
+            </a:r>
+            <a:r>
+              <a:rPr lang="en-GB" sz="1800" dirty="0">
+                <a:hlinkClick r:id="rId2"/>
+              </a:rPr>
+              <a:t>https://rladies.org/code-of-conduct/</a:t>
+            </a:r>
+            <a:r>
+              <a:rPr lang="en-GB" sz="1800" dirty="0"/>
+              <a:t>):</a:t>
+            </a:r>
+          </a:p>
+          <a:p>
+            <a:pPr lvl="1"/>
+            <a:r>
+              <a:rPr lang="en-GB" sz="1800" dirty="0"/>
+              <a:t>Harassment-free space - anyone who violates rules will be removed!</a:t>
+            </a:r>
+          </a:p>
+          <a:p>
+            <a:pPr lvl="1"/>
+            <a:r>
+              <a:rPr lang="en-GB" sz="1800" dirty="0"/>
+              <a:t>If there’s an issue, message one of us co-hosts privately!</a:t>
+            </a:r>
+          </a:p>
+          <a:p>
+            <a:r>
+              <a:rPr lang="en-GB" sz="2000" b="1" dirty="0"/>
+              <a:t>Recordings</a:t>
+            </a:r>
+            <a:r>
+              <a:rPr lang="en-GB" dirty="0"/>
+              <a:t> (to potentially be hosted on </a:t>
+            </a:r>
+            <a:r>
+              <a:rPr lang="en-GB" dirty="0" err="1"/>
+              <a:t>Youtube</a:t>
+            </a:r>
+            <a:r>
+              <a:rPr lang="en-GB" dirty="0"/>
+              <a:t>):</a:t>
+            </a:r>
+          </a:p>
+          <a:p>
+            <a:pPr lvl="1"/>
+            <a:r>
+              <a:rPr lang="en-GB" sz="1800" dirty="0"/>
+              <a:t>It’ll be clearly indicated when a recording starts and ends</a:t>
+            </a:r>
+          </a:p>
+          <a:p>
+            <a:pPr lvl="1"/>
+            <a:r>
+              <a:rPr lang="en-GB" sz="1800" dirty="0"/>
+              <a:t>Questions and exercises will </a:t>
+            </a:r>
+            <a:r>
+              <a:rPr lang="en-GB" sz="1800" b="1" dirty="0"/>
+              <a:t>not</a:t>
+            </a:r>
+            <a:r>
+              <a:rPr lang="en-GB" sz="1800" dirty="0"/>
+              <a:t> be recorded/cut out of the recording later</a:t>
+            </a:r>
+          </a:p>
+          <a:p>
+            <a:r>
+              <a:rPr lang="en-GB" sz="2000" b="1" dirty="0"/>
+              <a:t>Chat</a:t>
+            </a:r>
+          </a:p>
+          <a:p>
+            <a:pPr lvl="1"/>
+            <a:r>
+              <a:rPr lang="en-GB" sz="1800" dirty="0"/>
+              <a:t>Ask questions!</a:t>
+            </a:r>
+          </a:p>
+          <a:p>
+            <a:pPr lvl="1"/>
+            <a:r>
+              <a:rPr lang="en-US" sz="1800" dirty="0"/>
+              <a:t>A co-teacher or moderator will read them out for the current instructor to answer (or answer them directly in the chat)</a:t>
+            </a:r>
+            <a:endParaRPr lang="en-GB" sz="1800" dirty="0"/>
           </a:p>
         </p:txBody>
       </p:sp>
     </p:spTree>
     <p:extLst>
       <p:ext uri="{BB962C8B-B14F-4D97-AF65-F5344CB8AC3E}">
-        <p14:creationId xmlns:p14="http://schemas.microsoft.com/office/powerpoint/2010/main" val="1589833771"/>
+        <p14:creationId xmlns:p14="http://schemas.microsoft.com/office/powerpoint/2010/main" val="2761348144"/>
       </p:ext>
     </p:extLst>
   </p:cSld>
@@ -5013,7 +4758,7 @@
           <p:cNvPr id="2" name="Titel 1">
             <a:extLst>
               <a:ext uri="{FF2B5EF4-FFF2-40B4-BE49-F238E27FC236}">
-                <a16:creationId xmlns:a16="http://schemas.microsoft.com/office/drawing/2014/main" id="{C47D9D99-9819-4F36-A6EA-1FE5699C9E69}"/>
+                <a16:creationId xmlns:a16="http://schemas.microsoft.com/office/drawing/2014/main" id="{EF4F6A4C-AF4E-4CB3-B940-E5D2C654146F}"/>
               </a:ext>
             </a:extLst>
           </p:cNvPr>
@@ -5031,17 +4776,17 @@
           <a:p>
             <a:r>
               <a:rPr lang="en-GB" dirty="0"/>
-              <a:t>Code of conduct</a:t>
-            </a:r>
-          </a:p>
-        </p:txBody>
-      </p:sp>
-      <p:sp>
-        <p:nvSpPr>
-          <p:cNvPr id="6" name="Inhaltsplatzhalter 5">
+              <a:t>Data and workshop materials</a:t>
+            </a:r>
+          </a:p>
+        </p:txBody>
+      </p:sp>
+      <p:sp>
+        <p:nvSpPr>
+          <p:cNvPr id="3" name="Inhaltsplatzhalter 2">
             <a:extLst>
               <a:ext uri="{FF2B5EF4-FFF2-40B4-BE49-F238E27FC236}">
-                <a16:creationId xmlns:a16="http://schemas.microsoft.com/office/drawing/2014/main" id="{44E3C2BA-155B-4755-BA0E-B55F51A0BEA0}"/>
+                <a16:creationId xmlns:a16="http://schemas.microsoft.com/office/drawing/2014/main" id="{28525836-D53D-42BC-AD80-747A58335E09}"/>
               </a:ext>
             </a:extLst>
           </p:cNvPr>
@@ -5052,58 +4797,164 @@
             <p:ph idx="1"/>
           </p:nvPr>
         </p:nvSpPr>
-        <p:spPr/>
-        <p:txBody>
-          <a:bodyPr>
+        <p:spPr>
+          <a:xfrm>
+            <a:off x="581192" y="2180496"/>
+            <a:ext cx="11029615" cy="4354119"/>
+          </a:xfrm>
+        </p:spPr>
+        <p:txBody>
+          <a:bodyPr anchor="t">
             <a:normAutofit/>
           </a:bodyPr>
           <a:lstStyle/>
           <a:p>
-            <a:pPr marL="0" indent="0">
-              <a:buNone/>
-            </a:pPr>
             <a:r>
               <a:rPr lang="en-GB" sz="2400" dirty="0"/>
-              <a:t>Following the R-Ladies code of conduct (</a:t>
-            </a:r>
-            <a:r>
-              <a:rPr lang="en-GB" sz="2400" dirty="0">
+              <a:t>Available on </a:t>
+            </a:r>
+            <a:r>
+              <a:rPr lang="en-GB" sz="2400" dirty="0" err="1"/>
+              <a:t>github</a:t>
+            </a:r>
+            <a:endParaRPr lang="en-GB" sz="2400" dirty="0"/>
+          </a:p>
+          <a:p>
+            <a:pPr lvl="1"/>
+            <a:r>
+              <a:rPr lang="en-GB" sz="2000" dirty="0"/>
+              <a:t>R-Markdown materials:  </a:t>
+            </a:r>
+            <a:r>
+              <a:rPr lang="en-GB" sz="2000" dirty="0">
                 <a:hlinkClick r:id="rId2"/>
               </a:rPr>
-              <a:t>https://rladies.org/code-of-conduct/</a:t>
-            </a:r>
+              <a:t>https://github.com/DGfS-PhD-2021/R-markdown-course</a:t>
+            </a:r>
+            <a:endParaRPr lang="en-GB" sz="2000" dirty="0"/>
+          </a:p>
+          <a:p>
+            <a:pPr lvl="1"/>
+            <a:r>
+              <a:rPr lang="en-GB" sz="2000" dirty="0" err="1"/>
+              <a:t>Tidyverse</a:t>
+            </a:r>
+            <a:r>
+              <a:rPr lang="en-GB" sz="2000" dirty="0"/>
+              <a:t> materials: </a:t>
+            </a:r>
+            <a:r>
+              <a:rPr lang="en-GB" sz="2000" dirty="0">
+                <a:hlinkClick r:id="rId3"/>
+              </a:rPr>
+              <a:t>https://github.com/DGfS-PhD-2021/tidyverse-materials</a:t>
+            </a:r>
+            <a:endParaRPr lang="en-GB" sz="2000" dirty="0"/>
+          </a:p>
+          <a:p>
             <a:r>
               <a:rPr lang="en-GB" sz="2400" dirty="0"/>
-              <a:t>):</a:t>
-            </a:r>
-          </a:p>
-          <a:p>
-            <a:r>
+              <a:t>To download </a:t>
+            </a:r>
+            <a:br>
               <a:rPr lang="en-GB" sz="2400" dirty="0"/>
-              <a:t>Harassment-free space</a:t>
-            </a:r>
-          </a:p>
-          <a:p>
+            </a:br>
             <a:r>
               <a:rPr lang="en-GB" sz="2400" dirty="0"/>
-              <a:t>Anyone who violates rules will be removed</a:t>
-            </a:r>
-          </a:p>
-          <a:p>
-            <a:r>
-              <a:rPr lang="en-GB" sz="2400" dirty="0"/>
-              <a:t>If there’s an issue, message one of us co-hosts!</a:t>
-            </a:r>
-          </a:p>
-          <a:p>
-            <a:endParaRPr lang="en-GB" sz="2400" dirty="0"/>
+              <a:t>the materials: </a:t>
+            </a:r>
+          </a:p>
+        </p:txBody>
+      </p:sp>
+      <p:pic>
+        <p:nvPicPr>
+          <p:cNvPr id="7" name="Grafik 6">
+            <a:extLst>
+              <a:ext uri="{FF2B5EF4-FFF2-40B4-BE49-F238E27FC236}">
+                <a16:creationId xmlns:a16="http://schemas.microsoft.com/office/drawing/2014/main" id="{48ACD9D4-C5F0-4A9F-B180-0FC91EEFA735}"/>
+              </a:ext>
+            </a:extLst>
+          </p:cNvPr>
+          <p:cNvPicPr>
+            <a:picLocks noChangeAspect="1"/>
+          </p:cNvPicPr>
+          <p:nvPr/>
+        </p:nvPicPr>
+        <p:blipFill>
+          <a:blip r:embed="rId4"/>
+          <a:stretch>
+            <a:fillRect/>
+          </a:stretch>
+        </p:blipFill>
+        <p:spPr>
+          <a:xfrm>
+            <a:off x="3977036" y="3685473"/>
+            <a:ext cx="3524250" cy="2905125"/>
+          </a:xfrm>
+          <a:prstGeom prst="rect">
+            <a:avLst/>
+          </a:prstGeom>
+        </p:spPr>
+      </p:pic>
+      <p:sp>
+        <p:nvSpPr>
+          <p:cNvPr id="8" name="Rechteck 7">
+            <a:extLst>
+              <a:ext uri="{FF2B5EF4-FFF2-40B4-BE49-F238E27FC236}">
+                <a16:creationId xmlns:a16="http://schemas.microsoft.com/office/drawing/2014/main" id="{B8D58562-F359-4BAA-81C7-3580A7405116}"/>
+              </a:ext>
+            </a:extLst>
+          </p:cNvPr>
+          <p:cNvSpPr/>
+          <p:nvPr/>
+        </p:nvSpPr>
+        <p:spPr>
+          <a:xfrm>
+            <a:off x="4092498" y="6032804"/>
+            <a:ext cx="7518309" cy="479503"/>
+          </a:xfrm>
+          <a:prstGeom prst="rect">
+            <a:avLst/>
+          </a:prstGeom>
+          <a:noFill/>
+          <a:ln>
+            <a:solidFill>
+              <a:schemeClr val="accent3">
+                <a:lumMod val="75000"/>
+              </a:schemeClr>
+            </a:solidFill>
+          </a:ln>
+        </p:spPr>
+        <p:style>
+          <a:lnRef idx="2">
+            <a:schemeClr val="accent6"/>
+          </a:lnRef>
+          <a:fillRef idx="1">
+            <a:schemeClr val="lt1"/>
+          </a:fillRef>
+          <a:effectRef idx="0">
+            <a:schemeClr val="accent6"/>
+          </a:effectRef>
+          <a:fontRef idx="minor">
+            <a:schemeClr val="dk1"/>
+          </a:fontRef>
+        </p:style>
+        <p:txBody>
+          <a:bodyPr rtlCol="0" anchor="ctr"/>
+          <a:lstStyle/>
+          <a:p>
+            <a:pPr algn="r"/>
+            <a:r>
+              <a:rPr lang="en-GB" dirty="0"/>
+              <a:t>Download to your computer, then unzip each of the repositories</a:t>
+            </a:r>
           </a:p>
         </p:txBody>
       </p:sp>
     </p:spTree>
     <p:extLst>
       <p:ext uri="{BB962C8B-B14F-4D97-AF65-F5344CB8AC3E}">
-        <p14:creationId xmlns:p14="http://schemas.microsoft.com/office/powerpoint/2010/main" val="2761348144"/>
+        <p14:creationId xmlns:p14="http://schemas.microsoft.com/office/powerpoint/2010/main" val="2376050064"/>
       </p:ext>
     </p:extLst>
   </p:cSld>
@@ -5135,7 +4986,7 @@
           <p:cNvPr id="2" name="Titel 1">
             <a:extLst>
               <a:ext uri="{FF2B5EF4-FFF2-40B4-BE49-F238E27FC236}">
-                <a16:creationId xmlns:a16="http://schemas.microsoft.com/office/drawing/2014/main" id="{C47D9D99-9819-4F36-A6EA-1FE5699C9E69}"/>
+                <a16:creationId xmlns:a16="http://schemas.microsoft.com/office/drawing/2014/main" id="{EF4F6A4C-AF4E-4CB3-B940-E5D2C654146F}"/>
               </a:ext>
             </a:extLst>
           </p:cNvPr>
@@ -5152,18 +5003,19 @@
           <a:lstStyle/>
           <a:p>
             <a:r>
-              <a:rPr lang="en-GB" dirty="0"/>
-              <a:t>Recordings</a:t>
-            </a:r>
-          </a:p>
-        </p:txBody>
-      </p:sp>
-      <p:sp>
-        <p:nvSpPr>
-          <p:cNvPr id="6" name="Inhaltsplatzhalter 5">
+              <a:rPr lang="en-US" sz="2800" b="0" i="0" u="none" strike="noStrike" baseline="0" dirty="0"/>
+              <a:t>Networking &amp; socialization in Gather Town</a:t>
+            </a:r>
+            <a:endParaRPr lang="en-GB" dirty="0"/>
+          </a:p>
+        </p:txBody>
+      </p:sp>
+      <p:sp>
+        <p:nvSpPr>
+          <p:cNvPr id="3" name="Inhaltsplatzhalter 2">
             <a:extLst>
               <a:ext uri="{FF2B5EF4-FFF2-40B4-BE49-F238E27FC236}">
-                <a16:creationId xmlns:a16="http://schemas.microsoft.com/office/drawing/2014/main" id="{44E3C2BA-155B-4755-BA0E-B55F51A0BEA0}"/>
+                <a16:creationId xmlns:a16="http://schemas.microsoft.com/office/drawing/2014/main" id="{28525836-D53D-42BC-AD80-747A58335E09}"/>
               </a:ext>
             </a:extLst>
           </p:cNvPr>
@@ -5182,45 +5034,69 @@
           <a:lstStyle/>
           <a:p>
             <a:r>
-              <a:rPr lang="en-GB" sz="2400" dirty="0"/>
-              <a:t>We’d like to record some parts of the workshop</a:t>
-            </a:r>
-          </a:p>
-          <a:p>
-            <a:r>
-              <a:rPr lang="en-GB" sz="2400" dirty="0"/>
-              <a:t>It’ll be clearly indicated when a recording starts and ends</a:t>
-            </a:r>
-          </a:p>
-          <a:p>
-            <a:r>
-              <a:rPr lang="en-GB" sz="2400" dirty="0"/>
-              <a:t>Questions and exercises will </a:t>
-            </a:r>
-            <a:r>
-              <a:rPr lang="en-GB" sz="2400" b="1" dirty="0"/>
-              <a:t>not</a:t>
-            </a:r>
-            <a:r>
-              <a:rPr lang="en-GB" sz="2400" dirty="0"/>
-              <a:t> be recorded</a:t>
-            </a:r>
-          </a:p>
-          <a:p>
-            <a:r>
-              <a:rPr lang="en-GB" sz="2400" dirty="0"/>
-              <a:t>Please let us know if this is not all right with you!</a:t>
-            </a:r>
-          </a:p>
-          <a:p>
-            <a:endParaRPr lang="en-GB" sz="2400" dirty="0"/>
+              <a:rPr lang="en-US" sz="2400" dirty="0"/>
+              <a:t>Access: </a:t>
+            </a:r>
+            <a:r>
+              <a:rPr lang="en-US" sz="2400" dirty="0">
+                <a:hlinkClick r:id="rId2"/>
+              </a:rPr>
+              <a:t>https://gather.town/app/cr6ecv4qTJepyKy2/DGfS2021</a:t>
+            </a:r>
+            <a:endParaRPr lang="en-US" sz="2400" dirty="0"/>
+          </a:p>
+          <a:p>
+            <a:pPr lvl="1"/>
+            <a:r>
+              <a:rPr lang="en-US" sz="2000" dirty="0"/>
+              <a:t>Please don’t post this link or give it to anyone who’s not registered</a:t>
+            </a:r>
+          </a:p>
+          <a:p>
+            <a:r>
+              <a:rPr lang="en-US" sz="2400" dirty="0"/>
+              <a:t>Please use real first and last name when joining</a:t>
+            </a:r>
+          </a:p>
+          <a:p>
+            <a:r>
+              <a:rPr lang="en-US" sz="2400" dirty="0"/>
+              <a:t>Use Firefox or Chrome</a:t>
+            </a:r>
+          </a:p>
+          <a:p>
+            <a:endParaRPr lang="en-US" sz="2400" dirty="0"/>
+          </a:p>
+          <a:p>
+            <a:r>
+              <a:rPr lang="en-US" sz="2400" dirty="0"/>
+              <a:t>If you're not familiar with Gather,  here’s a short intro by Miriam </a:t>
+            </a:r>
+            <a:r>
+              <a:rPr lang="en-US" sz="2400" dirty="0" err="1"/>
+              <a:t>Neuhausen</a:t>
+            </a:r>
+            <a:r>
+              <a:rPr lang="en-US" sz="2400" dirty="0"/>
+              <a:t>: </a:t>
+            </a:r>
+            <a:r>
+              <a:rPr lang="en-US" sz="2400" dirty="0">
+                <a:hlinkClick r:id="rId3"/>
+              </a:rPr>
+              <a:t>https://www.youtube.com/watch?v=Ndjw2i5M2x4</a:t>
+            </a:r>
+            <a:r>
+              <a:rPr lang="en-US" sz="2400" dirty="0"/>
+              <a:t> </a:t>
+            </a:r>
           </a:p>
         </p:txBody>
       </p:sp>
     </p:spTree>
     <p:extLst>
       <p:ext uri="{BB962C8B-B14F-4D97-AF65-F5344CB8AC3E}">
-        <p14:creationId xmlns:p14="http://schemas.microsoft.com/office/powerpoint/2010/main" val="3044773692"/>
+        <p14:creationId xmlns:p14="http://schemas.microsoft.com/office/powerpoint/2010/main" val="355746814"/>
       </p:ext>
     </p:extLst>
   </p:cSld>
@@ -5252,7 +5128,7 @@
           <p:cNvPr id="2" name="Titel 1">
             <a:extLst>
               <a:ext uri="{FF2B5EF4-FFF2-40B4-BE49-F238E27FC236}">
-                <a16:creationId xmlns:a16="http://schemas.microsoft.com/office/drawing/2014/main" id="{EF4F6A4C-AF4E-4CB3-B940-E5D2C654146F}"/>
+                <a16:creationId xmlns:a16="http://schemas.microsoft.com/office/drawing/2014/main" id="{E0B3A216-5333-4B12-9965-2E7AA106B1C5}"/>
               </a:ext>
             </a:extLst>
           </p:cNvPr>
@@ -5260,7 +5136,7 @@
             <a:spLocks noGrp="1"/>
           </p:cNvSpPr>
           <p:nvPr>
-            <p:ph type="title"/>
+            <p:ph type="ctrTitle"/>
           </p:nvPr>
         </p:nvSpPr>
         <p:spPr/>
@@ -5268,16 +5144,19 @@
           <a:bodyPr/>
           <a:lstStyle/>
           <a:p>
-            <a:endParaRPr lang="en-GB" dirty="0"/>
-          </a:p>
-        </p:txBody>
-      </p:sp>
-      <p:sp>
-        <p:nvSpPr>
-          <p:cNvPr id="3" name="Inhaltsplatzhalter 2">
+            <a:r>
+              <a:rPr lang="en-GB" dirty="0"/>
+              <a:t>Thank you!</a:t>
+            </a:r>
+          </a:p>
+        </p:txBody>
+      </p:sp>
+      <p:sp>
+        <p:nvSpPr>
+          <p:cNvPr id="3" name="Untertitel 2">
             <a:extLst>
               <a:ext uri="{FF2B5EF4-FFF2-40B4-BE49-F238E27FC236}">
-                <a16:creationId xmlns:a16="http://schemas.microsoft.com/office/drawing/2014/main" id="{28525836-D53D-42BC-AD80-747A58335E09}"/>
+                <a16:creationId xmlns:a16="http://schemas.microsoft.com/office/drawing/2014/main" id="{DF4A70FB-E90A-4FA1-8608-4D6F5CB0ECBB}"/>
               </a:ext>
             </a:extLst>
           </p:cNvPr>
@@ -5285,7 +5164,7 @@
             <a:spLocks noGrp="1"/>
           </p:cNvSpPr>
           <p:nvPr>
-            <p:ph idx="1"/>
+            <p:ph type="subTitle" idx="1"/>
           </p:nvPr>
         </p:nvSpPr>
         <p:spPr/>
@@ -5293,14 +5172,32 @@
           <a:bodyPr/>
           <a:lstStyle/>
           <a:p>
-            <a:endParaRPr lang="en-GB"/>
+            <a:r>
+              <a:rPr lang="en-GB" dirty="0"/>
+              <a:t>See you in </a:t>
+            </a:r>
+            <a:r>
+              <a:rPr lang="en-GB" dirty="0" err="1"/>
+              <a:t>Gathertown</a:t>
+            </a:r>
+            <a:r>
+              <a:rPr lang="en-GB" dirty="0"/>
+              <a:t> </a:t>
+            </a:r>
+            <a:r>
+              <a:rPr lang="en-GB" dirty="0">
+                <a:sym typeface="Wingdings" panose="05000000000000000000" pitchFamily="2" charset="2"/>
+              </a:rPr>
+              <a:t></a:t>
+            </a:r>
+            <a:endParaRPr lang="en-GB" dirty="0"/>
           </a:p>
         </p:txBody>
       </p:sp>
     </p:spTree>
     <p:extLst>
       <p:ext uri="{BB962C8B-B14F-4D97-AF65-F5344CB8AC3E}">
-        <p14:creationId xmlns:p14="http://schemas.microsoft.com/office/powerpoint/2010/main" val="2376050064"/>
+        <p14:creationId xmlns:p14="http://schemas.microsoft.com/office/powerpoint/2010/main" val="3912857459"/>
       </p:ext>
     </p:extLst>
   </p:cSld>

--- a/DGFS PhD forum welcome.pptx
+++ b/DGFS PhD forum welcome.pptx
@@ -364,7 +364,7 @@
             <a:fld id="{B61BEF0D-F0BB-DE4B-95CE-6DB70DBA9567}" type="datetimeFigureOut">
               <a:rPr lang="en-US" dirty="0"/>
               <a:pPr/>
-              <a:t>2/22/2021</a:t>
+              <a:t>2/22/21</a:t>
             </a:fld>
             <a:endParaRPr lang="en-US" dirty="0"/>
           </a:p>
@@ -439,7 +439,7 @@
             <a:fld id="{D57F1E4F-1CFF-5643-939E-217C01CDF565}" type="slidenum">
               <a:rPr lang="en-US" dirty="0"/>
               <a:pPr/>
-              <a:t>‹Nr.›</a:t>
+              <a:t>‹#›</a:t>
             </a:fld>
             <a:endParaRPr lang="en-US" dirty="0"/>
           </a:p>
@@ -623,7 +623,7 @@
             <a:fld id="{B61BEF0D-F0BB-DE4B-95CE-6DB70DBA9567}" type="datetimeFigureOut">
               <a:rPr lang="en-US" dirty="0"/>
               <a:pPr/>
-              <a:t>2/22/2021</a:t>
+              <a:t>2/22/21</a:t>
             </a:fld>
             <a:endParaRPr lang="en-US" dirty="0"/>
           </a:p>
@@ -666,7 +666,7 @@
             <a:fld id="{D57F1E4F-1CFF-5643-939E-217C01CDF565}" type="slidenum">
               <a:rPr lang="en-US" dirty="0"/>
               <a:pPr/>
-              <a:t>‹Nr.›</a:t>
+              <a:t>‹#›</a:t>
             </a:fld>
             <a:endParaRPr lang="en-US" dirty="0"/>
           </a:p>
@@ -855,7 +855,7 @@
             <a:fld id="{B61BEF0D-F0BB-DE4B-95CE-6DB70DBA9567}" type="datetimeFigureOut">
               <a:rPr lang="en-US" dirty="0"/>
               <a:pPr/>
-              <a:t>2/22/2021</a:t>
+              <a:t>2/22/21</a:t>
             </a:fld>
             <a:endParaRPr lang="en-US" dirty="0"/>
           </a:p>
@@ -919,7 +919,7 @@
             <a:fld id="{D57F1E4F-1CFF-5643-939E-217C01CDF565}" type="slidenum">
               <a:rPr lang="en-US" dirty="0"/>
               <a:pPr/>
-              <a:t>‹Nr.›</a:t>
+              <a:t>‹#›</a:t>
             </a:fld>
             <a:endParaRPr lang="en-US" dirty="0"/>
           </a:p>
@@ -1092,7 +1092,7 @@
             <a:fld id="{B61BEF0D-F0BB-DE4B-95CE-6DB70DBA9567}" type="datetimeFigureOut">
               <a:rPr lang="en-US" dirty="0"/>
               <a:pPr/>
-              <a:t>2/22/2021</a:t>
+              <a:t>2/22/21</a:t>
             </a:fld>
             <a:endParaRPr lang="en-US" dirty="0"/>
           </a:p>
@@ -1140,7 +1140,7 @@
             <a:fld id="{D57F1E4F-1CFF-5643-939E-217C01CDF565}" type="slidenum">
               <a:rPr lang="en-US" dirty="0"/>
               <a:pPr/>
-              <a:t>‹Nr.›</a:t>
+              <a:t>‹#›</a:t>
             </a:fld>
             <a:endParaRPr lang="en-US" dirty="0"/>
           </a:p>
@@ -1396,7 +1396,7 @@
             <a:fld id="{B61BEF0D-F0BB-DE4B-95CE-6DB70DBA9567}" type="datetimeFigureOut">
               <a:rPr lang="en-US" dirty="0"/>
               <a:pPr/>
-              <a:t>2/22/2021</a:t>
+              <a:t>2/22/21</a:t>
             </a:fld>
             <a:endParaRPr lang="en-US" dirty="0"/>
           </a:p>
@@ -1461,7 +1461,7 @@
             <a:fld id="{D57F1E4F-1CFF-5643-939E-217C01CDF565}" type="slidenum">
               <a:rPr lang="en-US" dirty="0"/>
               <a:pPr/>
-              <a:t>‹Nr.›</a:t>
+              <a:t>‹#›</a:t>
             </a:fld>
             <a:endParaRPr lang="en-US" dirty="0"/>
           </a:p>
@@ -1695,7 +1695,7 @@
             <a:fld id="{B61BEF0D-F0BB-DE4B-95CE-6DB70DBA9567}" type="datetimeFigureOut">
               <a:rPr lang="en-US" dirty="0"/>
               <a:pPr/>
-              <a:t>2/22/2021</a:t>
+              <a:t>2/22/21</a:t>
             </a:fld>
             <a:endParaRPr lang="en-US" dirty="0"/>
           </a:p>
@@ -1738,7 +1738,7 @@
             <a:fld id="{D57F1E4F-1CFF-5643-939E-217C01CDF565}" type="slidenum">
               <a:rPr lang="en-US" dirty="0"/>
               <a:pPr/>
-              <a:t>‹Nr.›</a:t>
+              <a:t>‹#›</a:t>
             </a:fld>
             <a:endParaRPr lang="en-US" dirty="0"/>
           </a:p>
@@ -2114,7 +2114,7 @@
             <a:fld id="{B61BEF0D-F0BB-DE4B-95CE-6DB70DBA9567}" type="datetimeFigureOut">
               <a:rPr lang="en-US" dirty="0"/>
               <a:pPr/>
-              <a:t>2/22/2021</a:t>
+              <a:t>2/22/21</a:t>
             </a:fld>
             <a:endParaRPr lang="en-US" dirty="0"/>
           </a:p>
@@ -2157,7 +2157,7 @@
             <a:fld id="{D57F1E4F-1CFF-5643-939E-217C01CDF565}" type="slidenum">
               <a:rPr lang="en-US" dirty="0"/>
               <a:pPr/>
-              <a:t>‹Nr.›</a:t>
+              <a:t>‹#›</a:t>
             </a:fld>
             <a:endParaRPr lang="en-US" dirty="0"/>
           </a:p>
@@ -2206,7 +2206,7 @@
             <a:fld id="{B61BEF0D-F0BB-DE4B-95CE-6DB70DBA9567}" type="datetimeFigureOut">
               <a:rPr lang="en-US" dirty="0"/>
               <a:pPr/>
-              <a:t>2/22/2021</a:t>
+              <a:t>2/22/21</a:t>
             </a:fld>
             <a:endParaRPr lang="en-US" dirty="0"/>
           </a:p>
@@ -2249,7 +2249,7 @@
             <a:fld id="{D57F1E4F-1CFF-5643-939E-217C01CDF565}" type="slidenum">
               <a:rPr lang="en-US" dirty="0"/>
               <a:pPr/>
-              <a:t>‹Nr.›</a:t>
+              <a:t>‹#›</a:t>
             </a:fld>
             <a:endParaRPr lang="en-US" dirty="0"/>
           </a:p>
@@ -2365,7 +2365,7 @@
             <a:fld id="{B61BEF0D-F0BB-DE4B-95CE-6DB70DBA9567}" type="datetimeFigureOut">
               <a:rPr lang="en-US" dirty="0"/>
               <a:pPr/>
-              <a:t>2/22/2021</a:t>
+              <a:t>2/22/21</a:t>
             </a:fld>
             <a:endParaRPr lang="en-US" dirty="0"/>
           </a:p>
@@ -2408,7 +2408,7 @@
             <a:fld id="{D57F1E4F-1CFF-5643-939E-217C01CDF565}" type="slidenum">
               <a:rPr lang="en-US" dirty="0"/>
               <a:pPr/>
-              <a:t>‹Nr.›</a:t>
+              <a:t>‹#›</a:t>
             </a:fld>
             <a:endParaRPr lang="en-US" dirty="0"/>
           </a:p>
@@ -2740,7 +2740,7 @@
             <a:fld id="{B61BEF0D-F0BB-DE4B-95CE-6DB70DBA9567}" type="datetimeFigureOut">
               <a:rPr lang="en-US" dirty="0"/>
               <a:pPr/>
-              <a:t>2/22/2021</a:t>
+              <a:t>2/22/21</a:t>
             </a:fld>
             <a:endParaRPr lang="en-US" dirty="0"/>
           </a:p>
@@ -2805,7 +2805,7 @@
             <a:fld id="{D57F1E4F-1CFF-5643-939E-217C01CDF565}" type="slidenum">
               <a:rPr lang="en-US" dirty="0"/>
               <a:pPr/>
-              <a:t>‹Nr.›</a:t>
+              <a:t>‹#›</a:t>
             </a:fld>
             <a:endParaRPr lang="en-US" dirty="0"/>
           </a:p>
@@ -3026,7 +3026,7 @@
             <a:fld id="{B61BEF0D-F0BB-DE4B-95CE-6DB70DBA9567}" type="datetimeFigureOut">
               <a:rPr lang="en-US" dirty="0"/>
               <a:pPr/>
-              <a:t>2/22/2021</a:t>
+              <a:t>2/22/21</a:t>
             </a:fld>
             <a:endParaRPr lang="en-US" dirty="0"/>
           </a:p>
@@ -3069,7 +3069,7 @@
             <a:fld id="{D57F1E4F-1CFF-5643-939E-217C01CDF565}" type="slidenum">
               <a:rPr lang="en-US" dirty="0"/>
               <a:pPr/>
-              <a:t>‹Nr.›</a:t>
+              <a:t>‹#›</a:t>
             </a:fld>
             <a:endParaRPr lang="en-US" dirty="0"/>
           </a:p>
@@ -3234,7 +3234,7 @@
             <a:fld id="{B61BEF0D-F0BB-DE4B-95CE-6DB70DBA9567}" type="datetimeFigureOut">
               <a:rPr lang="en-US" dirty="0"/>
               <a:pPr/>
-              <a:t>2/22/2021</a:t>
+              <a:t>2/22/21</a:t>
             </a:fld>
             <a:endParaRPr lang="en-US" dirty="0"/>
           </a:p>
@@ -3309,7 +3309,7 @@
             <a:fld id="{D57F1E4F-1CFF-5643-939E-217C01CDF565}" type="slidenum">
               <a:rPr lang="en-US" dirty="0"/>
               <a:pPr/>
-              <a:t>‹Nr.›</a:t>
+              <a:t>‹#›</a:t>
             </a:fld>
             <a:endParaRPr lang="en-US" dirty="0"/>
           </a:p>
@@ -4682,22 +4682,14 @@
             <a:pPr lvl="1"/>
             <a:r>
               <a:rPr lang="en-GB" sz="1800" dirty="0"/>
-              <a:t>It’ll be clearly indicated when a recording starts and ends</a:t>
+              <a:t>Only the teaching portions will be recorded (so feel free to ask questions in the question/exercise blocks!)</a:t>
             </a:r>
           </a:p>
           <a:p>
             <a:pPr lvl="1"/>
             <a:r>
               <a:rPr lang="en-GB" sz="1800" dirty="0"/>
-              <a:t>Questions and exercises will </a:t>
-            </a:r>
-            <a:r>
-              <a:rPr lang="en-GB" sz="1800" b="1" dirty="0"/>
-              <a:t>not</a:t>
-            </a:r>
-            <a:r>
-              <a:rPr lang="en-GB" sz="1800" dirty="0"/>
-              <a:t> be recorded/cut out of the recording later</a:t>
+              <a:t>Please leave your video off in the teaching portions if you want to be 100% sure (but we would be happy to see you in between and only intend to include video of the speaker in final cuts)</a:t>
             </a:r>
           </a:p>
           <a:p>

--- a/DGFS PhD forum welcome.pptx
+++ b/DGFS PhD forum welcome.pptx
@@ -364,7 +364,7 @@
             <a:fld id="{B61BEF0D-F0BB-DE4B-95CE-6DB70DBA9567}" type="datetimeFigureOut">
               <a:rPr lang="en-US" dirty="0"/>
               <a:pPr/>
-              <a:t>2/22/21</a:t>
+              <a:t>2/23/2021</a:t>
             </a:fld>
             <a:endParaRPr lang="en-US" dirty="0"/>
           </a:p>
@@ -439,7 +439,7 @@
             <a:fld id="{D57F1E4F-1CFF-5643-939E-217C01CDF565}" type="slidenum">
               <a:rPr lang="en-US" dirty="0"/>
               <a:pPr/>
-              <a:t>‹#›</a:t>
+              <a:t>‹Nr.›</a:t>
             </a:fld>
             <a:endParaRPr lang="en-US" dirty="0"/>
           </a:p>
@@ -623,7 +623,7 @@
             <a:fld id="{B61BEF0D-F0BB-DE4B-95CE-6DB70DBA9567}" type="datetimeFigureOut">
               <a:rPr lang="en-US" dirty="0"/>
               <a:pPr/>
-              <a:t>2/22/21</a:t>
+              <a:t>2/23/2021</a:t>
             </a:fld>
             <a:endParaRPr lang="en-US" dirty="0"/>
           </a:p>
@@ -666,7 +666,7 @@
             <a:fld id="{D57F1E4F-1CFF-5643-939E-217C01CDF565}" type="slidenum">
               <a:rPr lang="en-US" dirty="0"/>
               <a:pPr/>
-              <a:t>‹#›</a:t>
+              <a:t>‹Nr.›</a:t>
             </a:fld>
             <a:endParaRPr lang="en-US" dirty="0"/>
           </a:p>
@@ -855,7 +855,7 @@
             <a:fld id="{B61BEF0D-F0BB-DE4B-95CE-6DB70DBA9567}" type="datetimeFigureOut">
               <a:rPr lang="en-US" dirty="0"/>
               <a:pPr/>
-              <a:t>2/22/21</a:t>
+              <a:t>2/23/2021</a:t>
             </a:fld>
             <a:endParaRPr lang="en-US" dirty="0"/>
           </a:p>
@@ -919,7 +919,7 @@
             <a:fld id="{D57F1E4F-1CFF-5643-939E-217C01CDF565}" type="slidenum">
               <a:rPr lang="en-US" dirty="0"/>
               <a:pPr/>
-              <a:t>‹#›</a:t>
+              <a:t>‹Nr.›</a:t>
             </a:fld>
             <a:endParaRPr lang="en-US" dirty="0"/>
           </a:p>
@@ -1092,7 +1092,7 @@
             <a:fld id="{B61BEF0D-F0BB-DE4B-95CE-6DB70DBA9567}" type="datetimeFigureOut">
               <a:rPr lang="en-US" dirty="0"/>
               <a:pPr/>
-              <a:t>2/22/21</a:t>
+              <a:t>2/23/2021</a:t>
             </a:fld>
             <a:endParaRPr lang="en-US" dirty="0"/>
           </a:p>
@@ -1140,7 +1140,7 @@
             <a:fld id="{D57F1E4F-1CFF-5643-939E-217C01CDF565}" type="slidenum">
               <a:rPr lang="en-US" dirty="0"/>
               <a:pPr/>
-              <a:t>‹#›</a:t>
+              <a:t>‹Nr.›</a:t>
             </a:fld>
             <a:endParaRPr lang="en-US" dirty="0"/>
           </a:p>
@@ -1396,7 +1396,7 @@
             <a:fld id="{B61BEF0D-F0BB-DE4B-95CE-6DB70DBA9567}" type="datetimeFigureOut">
               <a:rPr lang="en-US" dirty="0"/>
               <a:pPr/>
-              <a:t>2/22/21</a:t>
+              <a:t>2/23/2021</a:t>
             </a:fld>
             <a:endParaRPr lang="en-US" dirty="0"/>
           </a:p>
@@ -1461,7 +1461,7 @@
             <a:fld id="{D57F1E4F-1CFF-5643-939E-217C01CDF565}" type="slidenum">
               <a:rPr lang="en-US" dirty="0"/>
               <a:pPr/>
-              <a:t>‹#›</a:t>
+              <a:t>‹Nr.›</a:t>
             </a:fld>
             <a:endParaRPr lang="en-US" dirty="0"/>
           </a:p>
@@ -1695,7 +1695,7 @@
             <a:fld id="{B61BEF0D-F0BB-DE4B-95CE-6DB70DBA9567}" type="datetimeFigureOut">
               <a:rPr lang="en-US" dirty="0"/>
               <a:pPr/>
-              <a:t>2/22/21</a:t>
+              <a:t>2/23/2021</a:t>
             </a:fld>
             <a:endParaRPr lang="en-US" dirty="0"/>
           </a:p>
@@ -1738,7 +1738,7 @@
             <a:fld id="{D57F1E4F-1CFF-5643-939E-217C01CDF565}" type="slidenum">
               <a:rPr lang="en-US" dirty="0"/>
               <a:pPr/>
-              <a:t>‹#›</a:t>
+              <a:t>‹Nr.›</a:t>
             </a:fld>
             <a:endParaRPr lang="en-US" dirty="0"/>
           </a:p>
@@ -2114,7 +2114,7 @@
             <a:fld id="{B61BEF0D-F0BB-DE4B-95CE-6DB70DBA9567}" type="datetimeFigureOut">
               <a:rPr lang="en-US" dirty="0"/>
               <a:pPr/>
-              <a:t>2/22/21</a:t>
+              <a:t>2/23/2021</a:t>
             </a:fld>
             <a:endParaRPr lang="en-US" dirty="0"/>
           </a:p>
@@ -2157,7 +2157,7 @@
             <a:fld id="{D57F1E4F-1CFF-5643-939E-217C01CDF565}" type="slidenum">
               <a:rPr lang="en-US" dirty="0"/>
               <a:pPr/>
-              <a:t>‹#›</a:t>
+              <a:t>‹Nr.›</a:t>
             </a:fld>
             <a:endParaRPr lang="en-US" dirty="0"/>
           </a:p>
@@ -2206,7 +2206,7 @@
             <a:fld id="{B61BEF0D-F0BB-DE4B-95CE-6DB70DBA9567}" type="datetimeFigureOut">
               <a:rPr lang="en-US" dirty="0"/>
               <a:pPr/>
-              <a:t>2/22/21</a:t>
+              <a:t>2/23/2021</a:t>
             </a:fld>
             <a:endParaRPr lang="en-US" dirty="0"/>
           </a:p>
@@ -2249,7 +2249,7 @@
             <a:fld id="{D57F1E4F-1CFF-5643-939E-217C01CDF565}" type="slidenum">
               <a:rPr lang="en-US" dirty="0"/>
               <a:pPr/>
-              <a:t>‹#›</a:t>
+              <a:t>‹Nr.›</a:t>
             </a:fld>
             <a:endParaRPr lang="en-US" dirty="0"/>
           </a:p>
@@ -2365,7 +2365,7 @@
             <a:fld id="{B61BEF0D-F0BB-DE4B-95CE-6DB70DBA9567}" type="datetimeFigureOut">
               <a:rPr lang="en-US" dirty="0"/>
               <a:pPr/>
-              <a:t>2/22/21</a:t>
+              <a:t>2/23/2021</a:t>
             </a:fld>
             <a:endParaRPr lang="en-US" dirty="0"/>
           </a:p>
@@ -2408,7 +2408,7 @@
             <a:fld id="{D57F1E4F-1CFF-5643-939E-217C01CDF565}" type="slidenum">
               <a:rPr lang="en-US" dirty="0"/>
               <a:pPr/>
-              <a:t>‹#›</a:t>
+              <a:t>‹Nr.›</a:t>
             </a:fld>
             <a:endParaRPr lang="en-US" dirty="0"/>
           </a:p>
@@ -2740,7 +2740,7 @@
             <a:fld id="{B61BEF0D-F0BB-DE4B-95CE-6DB70DBA9567}" type="datetimeFigureOut">
               <a:rPr lang="en-US" dirty="0"/>
               <a:pPr/>
-              <a:t>2/22/21</a:t>
+              <a:t>2/23/2021</a:t>
             </a:fld>
             <a:endParaRPr lang="en-US" dirty="0"/>
           </a:p>
@@ -2805,7 +2805,7 @@
             <a:fld id="{D57F1E4F-1CFF-5643-939E-217C01CDF565}" type="slidenum">
               <a:rPr lang="en-US" dirty="0"/>
               <a:pPr/>
-              <a:t>‹#›</a:t>
+              <a:t>‹Nr.›</a:t>
             </a:fld>
             <a:endParaRPr lang="en-US" dirty="0"/>
           </a:p>
@@ -3026,7 +3026,7 @@
             <a:fld id="{B61BEF0D-F0BB-DE4B-95CE-6DB70DBA9567}" type="datetimeFigureOut">
               <a:rPr lang="en-US" dirty="0"/>
               <a:pPr/>
-              <a:t>2/22/21</a:t>
+              <a:t>2/23/2021</a:t>
             </a:fld>
             <a:endParaRPr lang="en-US" dirty="0"/>
           </a:p>
@@ -3069,7 +3069,7 @@
             <a:fld id="{D57F1E4F-1CFF-5643-939E-217C01CDF565}" type="slidenum">
               <a:rPr lang="en-US" dirty="0"/>
               <a:pPr/>
-              <a:t>‹#›</a:t>
+              <a:t>‹Nr.›</a:t>
             </a:fld>
             <a:endParaRPr lang="en-US" dirty="0"/>
           </a:p>
@@ -3234,7 +3234,7 @@
             <a:fld id="{B61BEF0D-F0BB-DE4B-95CE-6DB70DBA9567}" type="datetimeFigureOut">
               <a:rPr lang="en-US" dirty="0"/>
               <a:pPr/>
-              <a:t>2/22/21</a:t>
+              <a:t>2/23/2021</a:t>
             </a:fld>
             <a:endParaRPr lang="en-US" dirty="0"/>
           </a:p>
@@ -3309,7 +3309,7 @@
             <a:fld id="{D57F1E4F-1CFF-5643-939E-217C01CDF565}" type="slidenum">
               <a:rPr lang="en-US" dirty="0"/>
               <a:pPr/>
-              <a:t>‹#›</a:t>
+              <a:t>‹Nr.›</a:t>
             </a:fld>
             <a:endParaRPr lang="en-US" dirty="0"/>
           </a:p>
@@ -3847,16 +3847,64 @@
             <p:ph type="ctrTitle"/>
           </p:nvPr>
         </p:nvSpPr>
-        <p:spPr/>
+        <p:spPr>
+          <a:xfrm>
+            <a:off x="581191" y="780585"/>
+            <a:ext cx="10993549" cy="2018371"/>
+          </a:xfrm>
+        </p:spPr>
         <p:txBody>
           <a:bodyPr>
-            <a:normAutofit/>
+            <a:normAutofit fontScale="90000"/>
           </a:bodyPr>
           <a:lstStyle/>
           <a:p>
             <a:pPr algn="ctr"/>
             <a:r>
+              <a:rPr lang="en-US" sz="2000" b="1" i="0" cap="none" dirty="0">
+                <a:solidFill>
+                  <a:srgbClr val="363534"/>
+                </a:solidFill>
+                <a:effectLst/>
+              </a:rPr>
+              <a:t>Doctoral colloquium – </a:t>
+            </a:r>
+            <a:r>
+              <a:rPr lang="en-US" sz="2000" b="1" i="0" cap="none" dirty="0" err="1">
+                <a:solidFill>
+                  <a:srgbClr val="363534"/>
+                </a:solidFill>
+                <a:effectLst/>
+              </a:rPr>
+              <a:t>DGfS</a:t>
+            </a:r>
+            <a:r>
+              <a:rPr lang="en-US" sz="2000" b="1" i="0" cap="none" dirty="0">
+                <a:solidFill>
+                  <a:srgbClr val="363534"/>
+                </a:solidFill>
+                <a:effectLst/>
+              </a:rPr>
+              <a:t> 2021, Freiburg</a:t>
+            </a:r>
+            <a:br>
+              <a:rPr lang="en-US" sz="2000" b="1" i="0" cap="none" dirty="0">
+                <a:solidFill>
+                  <a:srgbClr val="363534"/>
+                </a:solidFill>
+                <a:effectLst/>
+              </a:rPr>
+            </a:br>
+            <a:br>
               <a:rPr lang="en-US" b="1" i="0" cap="none" dirty="0">
+                <a:solidFill>
+                  <a:srgbClr val="363534"/>
+                </a:solidFill>
+                <a:effectLst/>
+              </a:rPr>
+            </a:br>
+            <a:r>
+              <a:rPr lang="en-US" sz="4000" b="1" i="0" cap="none" dirty="0">
                 <a:solidFill>
                   <a:srgbClr val="363534"/>
                 </a:solidFill>
@@ -3865,7 +3913,7 @@
               <a:t>Workshop: Data wrangling &amp; reproducible reports with </a:t>
             </a:r>
             <a:r>
-              <a:rPr lang="en-US" b="1" i="0" cap="none" dirty="0" err="1">
+              <a:rPr lang="en-US" sz="4000" b="1" i="0" cap="none" dirty="0" err="1">
                 <a:solidFill>
                   <a:srgbClr val="363534"/>
                 </a:solidFill>
@@ -3874,7 +3922,7 @@
               <a:t>tidyverse</a:t>
             </a:r>
             <a:r>
-              <a:rPr lang="en-US" b="1" i="0" cap="none" dirty="0">
+              <a:rPr lang="en-US" sz="4000" b="1" i="0" cap="none" dirty="0">
                 <a:solidFill>
                   <a:srgbClr val="363534"/>
                 </a:solidFill>
